--- a/Presentation1 ransomeware crisis.pptx
+++ b/Presentation1 ransomeware crisis.pptx
@@ -12,6 +12,7 @@
     <p:sldId id="260" r:id="rId6"/>
     <p:sldId id="261" r:id="rId7"/>
     <p:sldId id="262" r:id="rId8"/>
+    <p:sldId id="263" r:id="rId9"/>
   </p:sldIdLst>
   <p:sldSz cx="12192000" cy="6858000"/>
   <p:notesSz cx="6858000" cy="9144000"/>
@@ -3143,7 +3144,15 @@
             </a:r>
             <a:r>
               <a:rPr lang="en-ZA" dirty="0"/>
-              <a:t> “LockHeal_v4.2” encrypted all core systems; 19-day downtime risk.</a:t>
+              <a:t> “LockHeal_v4.2” encrypted all core systems; 19-day downtime risk</a:t>
+            </a:r>
+            <a:r>
+              <a:rPr lang="en-ZA" dirty="0" smtClean="0"/>
+              <a:t>.</a:t>
+            </a:r>
+            <a:r>
+              <a:rPr lang="en-ZA" dirty="0"/>
+              <a:t> (Verizon, 2024).</a:t>
             </a:r>
             <a:r>
               <a:rPr lang="en-ZA" dirty="0" smtClean="0"/>
@@ -3195,7 +3204,15 @@
             </a:br>
             <a:r>
               <a:rPr lang="en-ZA" dirty="0"/>
-              <a:t>• Budget ZAR 8.25 m vs. potential loss ZAR 114 m → 14× ROI.</a:t>
+              <a:t>• Budget ZAR 8.25 m vs. potential loss ZAR 114 m → 14× ROI</a:t>
+            </a:r>
+            <a:r>
+              <a:rPr lang="en-ZA" dirty="0" smtClean="0"/>
+              <a:t>.</a:t>
+            </a:r>
+            <a:r>
+              <a:rPr lang="en-ZA" dirty="0"/>
+              <a:t> ROI (IBM, 2024)</a:t>
             </a:r>
           </a:p>
         </p:txBody>
@@ -3284,7 +3301,15 @@
             </a:br>
             <a:r>
               <a:rPr lang="en-US" dirty="0"/>
-              <a:t>High-risk systems kept POWERED but isolated: ventilators, infusion pumps, dialysis.</a:t>
+              <a:t>High-risk systems kept POWERED but isolated: ventilators, infusion pumps, dialysis</a:t>
+            </a:r>
+            <a:r>
+              <a:rPr lang="en-US" dirty="0" smtClean="0"/>
+              <a:t>.</a:t>
+            </a:r>
+            <a:r>
+              <a:rPr lang="en-ZA" dirty="0"/>
+              <a:t> (IEC, 2020; FDA, 2022).</a:t>
             </a:r>
             <a:r>
               <a:rPr lang="en-US" dirty="0" smtClean="0"/>
@@ -3295,18 +3320,23 @@
             </a:br>
             <a:r>
               <a:rPr lang="en-US" dirty="0"/>
-              <a:t>Powered-OFF: administrative PCs, PACS workstations, email servers.</a:t>
+              <a:t>Powered-OFF: administrative PCs, PACS workstations, email servers</a:t>
             </a:r>
             <a:r>
               <a:rPr lang="en-US" dirty="0" smtClean="0"/>
-              <a:t/>
-            </a:r>
-            <a:br>
+              <a:t>.</a:t>
+            </a:r>
+            <a:r>
+              <a:rPr lang="en-ZA" dirty="0"/>
+              <a:t> (NIST, 2020) </a:t>
+            </a:r>
+            <a:r>
               <a:rPr lang="en-US" dirty="0" smtClean="0"/>
-            </a:br>
+              <a:t>Result</a:t>
+            </a:r>
             <a:r>
               <a:rPr lang="en-US" dirty="0"/>
-              <a:t>Result: zero clinical fatalities; elective ops postponed; emergency services intact.</a:t>
+              <a:t>: zero clinical fatalities; elective ops postponed; emergency services intact.</a:t>
             </a:r>
             <a:endParaRPr lang="en-ZA" dirty="0"/>
           </a:p>
@@ -3414,7 +3444,15 @@
             </a:br>
             <a:r>
               <a:rPr lang="en-ZA" dirty="0"/>
-              <a:t>Fix: micro-segmentation, MFA, PAW, 3-2-1-1-0 backups.</a:t>
+              <a:t>Fix: micro-segmentation, MFA, PAW, 3-2-1-1-0 backups</a:t>
+            </a:r>
+            <a:r>
+              <a:rPr lang="en-ZA" dirty="0" smtClean="0"/>
+              <a:t>.</a:t>
+            </a:r>
+            <a:r>
+              <a:rPr lang="en-ZA" dirty="0"/>
+              <a:t> (NIST, 2020; Microsoft, 2022).</a:t>
             </a:r>
           </a:p>
         </p:txBody>
@@ -3507,7 +3545,15 @@
             </a:r>
             <a:r>
               <a:rPr lang="en-ZA" dirty="0"/>
-              <a:t>, regulator notice</a:t>
+              <a:t>, regulator </a:t>
+            </a:r>
+            <a:r>
+              <a:rPr lang="en-ZA" dirty="0" smtClean="0"/>
+              <a:t>notice</a:t>
+            </a:r>
+            <a:r>
+              <a:rPr lang="en-ZA" dirty="0"/>
+              <a:t> (NIST, 2020; GDPR, 2016)</a:t>
             </a:r>
             <a:r>
               <a:rPr lang="en-ZA" dirty="0" smtClean="0"/>
@@ -3529,7 +3575,15 @@
             </a:br>
             <a:r>
               <a:rPr lang="en-ZA" dirty="0"/>
-              <a:t>3-14 d – parallel green forest, gold-image rebuild</a:t>
+              <a:t>3-14 d – parallel green forest, gold-image </a:t>
+            </a:r>
+            <a:r>
+              <a:rPr lang="en-ZA" dirty="0" smtClean="0"/>
+              <a:t>rebuild</a:t>
+            </a:r>
+            <a:r>
+              <a:rPr lang="en-ZA" dirty="0"/>
+              <a:t> ISO, 2016).</a:t>
             </a:r>
             <a:r>
               <a:rPr lang="en-ZA" dirty="0" smtClean="0"/>
@@ -3807,8 +3861,31 @@
             </a:br>
             <a:r>
               <a:rPr lang="en-US" dirty="0"/>
-              <a:t>Establish Cyber-Risk Oversight Sub-committee</a:t>
-            </a:r>
+              <a:t>Establish Cyber-Risk Oversight </a:t>
+            </a:r>
+            <a:r>
+              <a:rPr lang="en-US" dirty="0" smtClean="0"/>
+              <a:t>Sub-committee</a:t>
+            </a:r>
+            <a:r>
+              <a:rPr lang="en-ZA" dirty="0"/>
+              <a:t> (King IV, </a:t>
+            </a:r>
+            <a:r>
+              <a:rPr lang="en-ZA" dirty="0" err="1"/>
+              <a:t>IoDSA</a:t>
+            </a:r>
+            <a:r>
+              <a:rPr lang="en-ZA" dirty="0"/>
+              <a:t>, 2016).</a:t>
+            </a:r>
+            <a:r>
+              <a:rPr lang="en-ZA" dirty="0" smtClean="0"/>
+              <a:t/>
+            </a:r>
+            <a:br>
+              <a:rPr lang="en-ZA" dirty="0" smtClean="0"/>
+            </a:br>
             <a:r>
               <a:rPr lang="en-US" dirty="0" smtClean="0"/>
               <a:t/>
@@ -3828,6 +3905,175 @@
     <p:extLst>
       <p:ext uri="{BB962C8B-B14F-4D97-AF65-F5344CB8AC3E}">
         <p14:creationId xmlns:p14="http://schemas.microsoft.com/office/powerpoint/2010/main" val="1347247119"/>
+      </p:ext>
+    </p:extLst>
+  </p:cSld>
+  <p:clrMapOvr>
+    <a:masterClrMapping/>
+  </p:clrMapOvr>
+</p:sld>
+</file>
+
+<file path=ppt/slides/slide8.xml><?xml version="1.0" encoding="utf-8"?>
+<p:sld xmlns:a="http://schemas.openxmlformats.org/drawingml/2006/main" xmlns:r="http://schemas.openxmlformats.org/officeDocument/2006/relationships" xmlns:p="http://schemas.openxmlformats.org/presentationml/2006/main">
+  <p:cSld>
+    <p:spTree>
+      <p:nvGrpSpPr>
+        <p:cNvPr id="1" name=""/>
+        <p:cNvGrpSpPr/>
+        <p:nvPr/>
+      </p:nvGrpSpPr>
+      <p:grpSpPr>
+        <a:xfrm>
+          <a:off x="0" y="0"/>
+          <a:ext cx="0" cy="0"/>
+          <a:chOff x="0" y="0"/>
+          <a:chExt cx="0" cy="0"/>
+        </a:xfrm>
+      </p:grpSpPr>
+      <p:sp>
+        <p:nvSpPr>
+          <p:cNvPr id="2" name="Title 1"/>
+          <p:cNvSpPr>
+            <a:spLocks noGrp="1"/>
+          </p:cNvSpPr>
+          <p:nvPr>
+            <p:ph type="title"/>
+          </p:nvPr>
+        </p:nvSpPr>
+        <p:spPr/>
+        <p:txBody>
+          <a:bodyPr/>
+          <a:lstStyle/>
+          <a:p>
+            <a:r>
+              <a:rPr lang="en-US" dirty="0" smtClean="0"/>
+              <a:t>Referencing </a:t>
+            </a:r>
+            <a:endParaRPr lang="en-ZA" dirty="0"/>
+          </a:p>
+        </p:txBody>
+      </p:sp>
+      <p:sp>
+        <p:nvSpPr>
+          <p:cNvPr id="3" name="Content Placeholder 2"/>
+          <p:cNvSpPr>
+            <a:spLocks noGrp="1"/>
+          </p:cNvSpPr>
+          <p:nvPr>
+            <p:ph idx="1"/>
+          </p:nvPr>
+        </p:nvSpPr>
+        <p:spPr/>
+        <p:txBody>
+          <a:bodyPr>
+            <a:normAutofit/>
+          </a:bodyPr>
+          <a:lstStyle/>
+          <a:p>
+            <a:pPr fontAlgn="base"/>
+            <a:r>
+              <a:rPr lang="en-US" sz="2000" dirty="0"/>
+              <a:t>ACM (Association for Computing Machinery) (2018) </a:t>
+            </a:r>
+            <a:r>
+              <a:rPr lang="en-US" sz="2000" i="1" dirty="0"/>
+              <a:t>ACM Code of Ethics and Professional Conduct</a:t>
+            </a:r>
+            <a:r>
+              <a:rPr lang="en-US" sz="2000" dirty="0"/>
+              <a:t>. New York: ACM.</a:t>
+            </a:r>
+          </a:p>
+          <a:p>
+            <a:pPr fontAlgn="base"/>
+            <a:r>
+              <a:rPr lang="en-US" sz="2000" dirty="0"/>
+              <a:t>CISA (</a:t>
+            </a:r>
+            <a:r>
+              <a:rPr lang="en-US" sz="2000" dirty="0" err="1"/>
+              <a:t>Cybersecurity</a:t>
+            </a:r>
+            <a:r>
+              <a:rPr lang="en-US" sz="2000" dirty="0"/>
+              <a:t> &amp; Infrastructure Security Agency) (2023) </a:t>
+            </a:r>
+            <a:r>
+              <a:rPr lang="en-US" sz="2000" i="1" dirty="0" err="1"/>
+              <a:t>Ransomware</a:t>
+            </a:r>
+            <a:r>
+              <a:rPr lang="en-US" sz="2000" i="1" dirty="0"/>
+              <a:t> Guide: Best Practices for Prevention and Response</a:t>
+            </a:r>
+            <a:r>
+              <a:rPr lang="en-US" sz="2000" dirty="0"/>
+              <a:t>. Washington, DC: CISA.</a:t>
+            </a:r>
+          </a:p>
+          <a:p>
+            <a:pPr fontAlgn="base"/>
+            <a:r>
+              <a:rPr lang="en-US" sz="2000" dirty="0"/>
+              <a:t>FDA (Food &amp; Drug Administration) (2022) </a:t>
+            </a:r>
+            <a:r>
+              <a:rPr lang="en-US" sz="2000" i="1" dirty="0" err="1"/>
+              <a:t>Cybersecurity</a:t>
+            </a:r>
+            <a:r>
+              <a:rPr lang="en-US" sz="2000" i="1" dirty="0"/>
+              <a:t> for Medical Devices: Quality System Considerations</a:t>
+            </a:r>
+            <a:r>
+              <a:rPr lang="en-US" sz="2000" dirty="0"/>
+              <a:t>. Silver Spring, MD: FDA.</a:t>
+            </a:r>
+          </a:p>
+          <a:p>
+            <a:pPr fontAlgn="base"/>
+            <a:r>
+              <a:rPr lang="en-US" sz="2000" dirty="0"/>
+              <a:t>GDPR (General Data Protection Regulation) (2016) Regulation (EU) 2016/679 of the European Parliament and of the Council. Official Journal of the European Union, L119, 1-88.</a:t>
+            </a:r>
+          </a:p>
+          <a:p>
+            <a:pPr fontAlgn="base"/>
+            <a:r>
+              <a:rPr lang="en-US" sz="2000" dirty="0"/>
+              <a:t>HHS (Department of Health &amp; Human Services) (2021) </a:t>
+            </a:r>
+            <a:r>
+              <a:rPr lang="en-US" sz="2000" i="1" dirty="0"/>
+              <a:t>HIPAA Security Rule Guidance: </a:t>
+            </a:r>
+            <a:r>
+              <a:rPr lang="en-US" sz="2000" i="1" dirty="0" err="1"/>
+              <a:t>Ransomware</a:t>
+            </a:r>
+            <a:r>
+              <a:rPr lang="en-US" sz="2000" i="1" dirty="0"/>
+              <a:t> and </a:t>
+            </a:r>
+            <a:r>
+              <a:rPr lang="en-US" sz="2000" i="1" dirty="0" err="1"/>
+              <a:t>Cybersecurity</a:t>
+            </a:r>
+            <a:r>
+              <a:rPr lang="en-US" sz="2000" dirty="0"/>
+              <a:t>. Washington, DC: HHS.</a:t>
+            </a:r>
+          </a:p>
+          <a:p>
+            <a:endParaRPr lang="en-ZA" sz="1400" dirty="0"/>
+          </a:p>
+        </p:txBody>
+      </p:sp>
+    </p:spTree>
+    <p:extLst>
+      <p:ext uri="{BB962C8B-B14F-4D97-AF65-F5344CB8AC3E}">
+        <p14:creationId xmlns:p14="http://schemas.microsoft.com/office/powerpoint/2010/main" val="2789179480"/>
       </p:ext>
     </p:extLst>
   </p:cSld>
